--- a/img/kk.pptx
+++ b/img/kk.pptx
@@ -6,6 +6,7 @@
   </p:sldMasterIdLst>
   <p:sldIdLst>
     <p:sldId id="256" r:id="rId2"/>
+    <p:sldId id="257" r:id="rId3"/>
   </p:sldIdLst>
   <p:sldSz cx="12192000" cy="6858000"/>
   <p:notesSz cx="6858000" cy="9144000"/>
@@ -104,6 +105,11 @@
       </a:defRPr>
     </a:lvl9pPr>
   </p:defaultTextStyle>
+  <p:extLst>
+    <p:ext uri="{EFAFB233-063F-42B5-8137-9DF3F51BA10A}">
+      <p15:sldGuideLst xmlns:p15="http://schemas.microsoft.com/office/powerpoint/2012/main"/>
+    </p:ext>
+  </p:extLst>
 </p:presentation>
 </file>
 
@@ -254,7 +260,7 @@
           <a:p>
             <a:fld id="{14A368BC-18D4-4DE9-9BE4-AE9AFCCFC876}" type="datetimeFigureOut">
               <a:rPr lang="en-US" smtClean="0"/>
-              <a:t>9/16/2023</a:t>
+              <a:t>9/20/2023</a:t>
             </a:fld>
             <a:endParaRPr lang="en-US"/>
           </a:p>
@@ -452,7 +458,7 @@
           <a:p>
             <a:fld id="{14A368BC-18D4-4DE9-9BE4-AE9AFCCFC876}" type="datetimeFigureOut">
               <a:rPr lang="en-US" smtClean="0"/>
-              <a:t>9/16/2023</a:t>
+              <a:t>9/20/2023</a:t>
             </a:fld>
             <a:endParaRPr lang="en-US"/>
           </a:p>
@@ -660,7 +666,7 @@
           <a:p>
             <a:fld id="{14A368BC-18D4-4DE9-9BE4-AE9AFCCFC876}" type="datetimeFigureOut">
               <a:rPr lang="en-US" smtClean="0"/>
-              <a:t>9/16/2023</a:t>
+              <a:t>9/20/2023</a:t>
             </a:fld>
             <a:endParaRPr lang="en-US"/>
           </a:p>
@@ -858,7 +864,7 @@
           <a:p>
             <a:fld id="{14A368BC-18D4-4DE9-9BE4-AE9AFCCFC876}" type="datetimeFigureOut">
               <a:rPr lang="en-US" smtClean="0"/>
-              <a:t>9/16/2023</a:t>
+              <a:t>9/20/2023</a:t>
             </a:fld>
             <a:endParaRPr lang="en-US"/>
           </a:p>
@@ -1133,7 +1139,7 @@
           <a:p>
             <a:fld id="{14A368BC-18D4-4DE9-9BE4-AE9AFCCFC876}" type="datetimeFigureOut">
               <a:rPr lang="en-US" smtClean="0"/>
-              <a:t>9/16/2023</a:t>
+              <a:t>9/20/2023</a:t>
             </a:fld>
             <a:endParaRPr lang="en-US"/>
           </a:p>
@@ -1398,7 +1404,7 @@
           <a:p>
             <a:fld id="{14A368BC-18D4-4DE9-9BE4-AE9AFCCFC876}" type="datetimeFigureOut">
               <a:rPr lang="en-US" smtClean="0"/>
-              <a:t>9/16/2023</a:t>
+              <a:t>9/20/2023</a:t>
             </a:fld>
             <a:endParaRPr lang="en-US"/>
           </a:p>
@@ -1810,7 +1816,7 @@
           <a:p>
             <a:fld id="{14A368BC-18D4-4DE9-9BE4-AE9AFCCFC876}" type="datetimeFigureOut">
               <a:rPr lang="en-US" smtClean="0"/>
-              <a:t>9/16/2023</a:t>
+              <a:t>9/20/2023</a:t>
             </a:fld>
             <a:endParaRPr lang="en-US"/>
           </a:p>
@@ -1951,7 +1957,7 @@
           <a:p>
             <a:fld id="{14A368BC-18D4-4DE9-9BE4-AE9AFCCFC876}" type="datetimeFigureOut">
               <a:rPr lang="en-US" smtClean="0"/>
-              <a:t>9/16/2023</a:t>
+              <a:t>9/20/2023</a:t>
             </a:fld>
             <a:endParaRPr lang="en-US"/>
           </a:p>
@@ -2064,7 +2070,7 @@
           <a:p>
             <a:fld id="{14A368BC-18D4-4DE9-9BE4-AE9AFCCFC876}" type="datetimeFigureOut">
               <a:rPr lang="en-US" smtClean="0"/>
-              <a:t>9/16/2023</a:t>
+              <a:t>9/20/2023</a:t>
             </a:fld>
             <a:endParaRPr lang="en-US"/>
           </a:p>
@@ -2375,7 +2381,7 @@
           <a:p>
             <a:fld id="{14A368BC-18D4-4DE9-9BE4-AE9AFCCFC876}" type="datetimeFigureOut">
               <a:rPr lang="en-US" smtClean="0"/>
-              <a:t>9/16/2023</a:t>
+              <a:t>9/20/2023</a:t>
             </a:fld>
             <a:endParaRPr lang="en-US"/>
           </a:p>
@@ -2663,7 +2669,7 @@
           <a:p>
             <a:fld id="{14A368BC-18D4-4DE9-9BE4-AE9AFCCFC876}" type="datetimeFigureOut">
               <a:rPr lang="en-US" smtClean="0"/>
-              <a:t>9/16/2023</a:t>
+              <a:t>9/20/2023</a:t>
             </a:fld>
             <a:endParaRPr lang="en-US"/>
           </a:p>
@@ -2904,7 +2910,7 @@
           <a:p>
             <a:fld id="{14A368BC-18D4-4DE9-9BE4-AE9AFCCFC876}" type="datetimeFigureOut">
               <a:rPr lang="en-US" smtClean="0"/>
-              <a:t>9/16/2023</a:t>
+              <a:t>9/20/2023</a:t>
             </a:fld>
             <a:endParaRPr lang="en-US"/>
           </a:p>
@@ -3420,8 +3426,44 @@
         </p:blipFill>
         <p:spPr>
           <a:xfrm>
-            <a:off x="4915299" y="3177528"/>
-            <a:ext cx="1610882" cy="1687565"/>
+            <a:off x="4263656" y="2402843"/>
+            <a:ext cx="1832344" cy="1672434"/>
+          </a:xfrm>
+          <a:prstGeom prst="rect">
+            <a:avLst/>
+          </a:prstGeom>
+        </p:spPr>
+      </p:pic>
+      <p:pic>
+        <p:nvPicPr>
+          <p:cNvPr id="4" name="Picture 3" descr="A cartoon of a squirrel&#10;&#10;Description automatically generated">
+            <a:extLst>
+              <a:ext uri="{FF2B5EF4-FFF2-40B4-BE49-F238E27FC236}">
+                <a16:creationId xmlns:a16="http://schemas.microsoft.com/office/drawing/2014/main" id="{0E720A31-1046-AC77-8F5F-0E6D5B803B27}"/>
+              </a:ext>
+            </a:extLst>
+          </p:cNvPr>
+          <p:cNvPicPr>
+            <a:picLocks noChangeAspect="1"/>
+          </p:cNvPicPr>
+          <p:nvPr/>
+        </p:nvPicPr>
+        <p:blipFill>
+          <a:blip r:embed="rId5">
+            <a:extLst>
+              <a:ext uri="{28A0092B-C50C-407E-A947-70E740481C1C}">
+                <a14:useLocalDpi xmlns:a14="http://schemas.microsoft.com/office/drawing/2010/main" val="0"/>
+              </a:ext>
+            </a:extLst>
+          </a:blip>
+          <a:stretch>
+            <a:fillRect/>
+          </a:stretch>
+        </p:blipFill>
+        <p:spPr>
+          <a:xfrm>
+            <a:off x="1745954" y="3470743"/>
+            <a:ext cx="1390651" cy="1394350"/>
           </a:xfrm>
           <a:prstGeom prst="rect">
             <a:avLst/>
@@ -3432,6 +3474,274 @@
     <p:extLst>
       <p:ext uri="{BB962C8B-B14F-4D97-AF65-F5344CB8AC3E}">
         <p14:creationId xmlns:p14="http://schemas.microsoft.com/office/powerpoint/2010/main" val="32060195"/>
+      </p:ext>
+    </p:extLst>
+  </p:cSld>
+  <p:clrMapOvr>
+    <a:masterClrMapping/>
+  </p:clrMapOvr>
+</p:sld>
+</file>
+
+<file path=ppt/slides/slide2.xml><?xml version="1.0" encoding="utf-8"?>
+<p:sld xmlns:a="http://schemas.openxmlformats.org/drawingml/2006/main" xmlns:r="http://schemas.openxmlformats.org/officeDocument/2006/relationships" xmlns:p="http://schemas.openxmlformats.org/presentationml/2006/main">
+  <p:cSld>
+    <p:spTree>
+      <p:nvGrpSpPr>
+        <p:cNvPr id="1" name=""/>
+        <p:cNvGrpSpPr/>
+        <p:nvPr/>
+      </p:nvGrpSpPr>
+      <p:grpSpPr>
+        <a:xfrm>
+          <a:off x="0" y="0"/>
+          <a:ext cx="0" cy="0"/>
+          <a:chOff x="0" y="0"/>
+          <a:chExt cx="0" cy="0"/>
+        </a:xfrm>
+      </p:grpSpPr>
+      <p:pic>
+        <p:nvPicPr>
+          <p:cNvPr id="3" name="Picture 2" descr="A cartoon of a squirrel&#10;&#10;Description automatically generated">
+            <a:extLst>
+              <a:ext uri="{FF2B5EF4-FFF2-40B4-BE49-F238E27FC236}">
+                <a16:creationId xmlns:a16="http://schemas.microsoft.com/office/drawing/2014/main" id="{2247AA73-0000-F156-ED19-8F7017B33AAD}"/>
+              </a:ext>
+            </a:extLst>
+          </p:cNvPr>
+          <p:cNvPicPr>
+            <a:picLocks noChangeAspect="1"/>
+          </p:cNvPicPr>
+          <p:nvPr/>
+        </p:nvPicPr>
+        <p:blipFill>
+          <a:blip r:embed="rId2">
+            <a:extLst>
+              <a:ext uri="{28A0092B-C50C-407E-A947-70E740481C1C}">
+                <a14:useLocalDpi xmlns:a14="http://schemas.microsoft.com/office/drawing/2010/main" val="0"/>
+              </a:ext>
+            </a:extLst>
+          </a:blip>
+          <a:stretch>
+            <a:fillRect/>
+          </a:stretch>
+        </p:blipFill>
+        <p:spPr>
+          <a:xfrm>
+            <a:off x="624040" y="312782"/>
+            <a:ext cx="2268015" cy="2274046"/>
+          </a:xfrm>
+          <a:prstGeom prst="rect">
+            <a:avLst/>
+          </a:prstGeom>
+        </p:spPr>
+      </p:pic>
+      <p:pic>
+        <p:nvPicPr>
+          <p:cNvPr id="5" name="Picture 4" descr="A black and orange text&#10;&#10;Description automatically generated">
+            <a:extLst>
+              <a:ext uri="{FF2B5EF4-FFF2-40B4-BE49-F238E27FC236}">
+                <a16:creationId xmlns:a16="http://schemas.microsoft.com/office/drawing/2014/main" id="{DB95F800-7183-2843-5227-82AFB5FC5851}"/>
+              </a:ext>
+            </a:extLst>
+          </p:cNvPr>
+          <p:cNvPicPr>
+            <a:picLocks noChangeAspect="1"/>
+          </p:cNvPicPr>
+          <p:nvPr/>
+        </p:nvPicPr>
+        <p:blipFill>
+          <a:blip r:embed="rId3">
+            <a:extLst>
+              <a:ext uri="{28A0092B-C50C-407E-A947-70E740481C1C}">
+                <a14:useLocalDpi xmlns:a14="http://schemas.microsoft.com/office/drawing/2010/main" val="0"/>
+              </a:ext>
+            </a:extLst>
+          </a:blip>
+          <a:stretch>
+            <a:fillRect/>
+          </a:stretch>
+        </p:blipFill>
+        <p:spPr>
+          <a:xfrm>
+            <a:off x="4543786" y="831228"/>
+            <a:ext cx="7024174" cy="1237154"/>
+          </a:xfrm>
+          <a:prstGeom prst="rect">
+            <a:avLst/>
+          </a:prstGeom>
+        </p:spPr>
+      </p:pic>
+      <p:pic>
+        <p:nvPicPr>
+          <p:cNvPr id="2" name="Picture 1" descr="A logo for a college&#10;&#10;Description automatically generated">
+            <a:extLst>
+              <a:ext uri="{FF2B5EF4-FFF2-40B4-BE49-F238E27FC236}">
+                <a16:creationId xmlns:a16="http://schemas.microsoft.com/office/drawing/2014/main" id="{568F1B05-93DD-AB0F-94DD-F70BBAB74D2F}"/>
+              </a:ext>
+            </a:extLst>
+          </p:cNvPr>
+          <p:cNvPicPr>
+            <a:picLocks noChangeAspect="1"/>
+          </p:cNvPicPr>
+          <p:nvPr/>
+        </p:nvPicPr>
+        <p:blipFill>
+          <a:blip r:embed="rId4">
+            <a:extLst>
+              <a:ext uri="{28A0092B-C50C-407E-A947-70E740481C1C}">
+                <a14:useLocalDpi xmlns:a14="http://schemas.microsoft.com/office/drawing/2010/main" val="0"/>
+              </a:ext>
+            </a:extLst>
+          </a:blip>
+          <a:stretch>
+            <a:fillRect/>
+          </a:stretch>
+        </p:blipFill>
+        <p:spPr>
+          <a:xfrm>
+            <a:off x="3448254" y="3429000"/>
+            <a:ext cx="2647746" cy="1602720"/>
+          </a:xfrm>
+          <a:prstGeom prst="rect">
+            <a:avLst/>
+          </a:prstGeom>
+        </p:spPr>
+      </p:pic>
+      <p:pic>
+        <p:nvPicPr>
+          <p:cNvPr id="4" name="Picture 3" descr="A logo for a computer competition&#10;&#10;Description automatically generated">
+            <a:extLst>
+              <a:ext uri="{FF2B5EF4-FFF2-40B4-BE49-F238E27FC236}">
+                <a16:creationId xmlns:a16="http://schemas.microsoft.com/office/drawing/2014/main" id="{4245B0F2-8714-B1B2-BBFE-8C1CFB8659E8}"/>
+              </a:ext>
+            </a:extLst>
+          </p:cNvPr>
+          <p:cNvPicPr>
+            <a:picLocks noChangeAspect="1"/>
+          </p:cNvPicPr>
+          <p:nvPr/>
+        </p:nvPicPr>
+        <p:blipFill>
+          <a:blip r:embed="rId5">
+            <a:extLst>
+              <a:ext uri="{28A0092B-C50C-407E-A947-70E740481C1C}">
+                <a14:useLocalDpi xmlns:a14="http://schemas.microsoft.com/office/drawing/2010/main" val="0"/>
+              </a:ext>
+            </a:extLst>
+          </a:blip>
+          <a:stretch>
+            <a:fillRect/>
+          </a:stretch>
+        </p:blipFill>
+        <p:spPr>
+          <a:xfrm>
+            <a:off x="6455596" y="3344155"/>
+            <a:ext cx="1600277" cy="1687565"/>
+          </a:xfrm>
+          <a:prstGeom prst="rect">
+            <a:avLst/>
+          </a:prstGeom>
+        </p:spPr>
+      </p:pic>
+      <p:pic>
+        <p:nvPicPr>
+          <p:cNvPr id="1026" name="Picture 2" descr="بالونات ملونة - متجر مكتبة روائع الهندسة">
+            <a:extLst>
+              <a:ext uri="{FF2B5EF4-FFF2-40B4-BE49-F238E27FC236}">
+                <a16:creationId xmlns:a16="http://schemas.microsoft.com/office/drawing/2014/main" id="{048AAC36-FC4B-FA42-B50B-4B8AAC59B3C4}"/>
+              </a:ext>
+            </a:extLst>
+          </p:cNvPr>
+          <p:cNvPicPr>
+            <a:picLocks noChangeAspect="1" noChangeArrowheads="1"/>
+          </p:cNvPicPr>
+          <p:nvPr/>
+        </p:nvPicPr>
+        <p:blipFill>
+          <a:blip r:embed="rId6">
+            <a:extLst>
+              <a:ext uri="{28A0092B-C50C-407E-A947-70E740481C1C}">
+                <a14:useLocalDpi xmlns:a14="http://schemas.microsoft.com/office/drawing/2010/main" val="0"/>
+              </a:ext>
+            </a:extLst>
+          </a:blip>
+          <a:srcRect/>
+          <a:stretch>
+            <a:fillRect/>
+          </a:stretch>
+        </p:blipFill>
+        <p:spPr bwMode="auto">
+          <a:xfrm>
+            <a:off x="1972731" y="3956812"/>
+            <a:ext cx="1602720" cy="1602720"/>
+          </a:xfrm>
+          <a:prstGeom prst="rect">
+            <a:avLst/>
+          </a:prstGeom>
+          <a:noFill/>
+          <a:extLst>
+            <a:ext uri="{909E8E84-426E-40DD-AFC4-6F175D3DCCD1}">
+              <a14:hiddenFill xmlns:a14="http://schemas.microsoft.com/office/drawing/2010/main">
+                <a:solidFill>
+                  <a:srgbClr val="FFFFFF"/>
+                </a:solidFill>
+              </a14:hiddenFill>
+            </a:ext>
+          </a:extLst>
+        </p:spPr>
+      </p:pic>
+      <p:pic>
+        <p:nvPicPr>
+          <p:cNvPr id="6" name="Picture 2" descr="بالونات ملونة - متجر مكتبة روائع الهندسة">
+            <a:extLst>
+              <a:ext uri="{FF2B5EF4-FFF2-40B4-BE49-F238E27FC236}">
+                <a16:creationId xmlns:a16="http://schemas.microsoft.com/office/drawing/2014/main" id="{061B0056-AB69-04F4-871A-7C53E1EA2531}"/>
+              </a:ext>
+            </a:extLst>
+          </p:cNvPr>
+          <p:cNvPicPr>
+            <a:picLocks noChangeAspect="1" noChangeArrowheads="1"/>
+          </p:cNvPicPr>
+          <p:nvPr/>
+        </p:nvPicPr>
+        <p:blipFill>
+          <a:blip r:embed="rId6">
+            <a:extLst>
+              <a:ext uri="{28A0092B-C50C-407E-A947-70E740481C1C}">
+                <a14:useLocalDpi xmlns:a14="http://schemas.microsoft.com/office/drawing/2010/main" val="0"/>
+              </a:ext>
+            </a:extLst>
+          </a:blip>
+          <a:srcRect/>
+          <a:stretch>
+            <a:fillRect/>
+          </a:stretch>
+        </p:blipFill>
+        <p:spPr bwMode="auto">
+          <a:xfrm>
+            <a:off x="7815191" y="3956812"/>
+            <a:ext cx="1602720" cy="1602720"/>
+          </a:xfrm>
+          <a:prstGeom prst="rect">
+            <a:avLst/>
+          </a:prstGeom>
+          <a:noFill/>
+          <a:extLst>
+            <a:ext uri="{909E8E84-426E-40DD-AFC4-6F175D3DCCD1}">
+              <a14:hiddenFill xmlns:a14="http://schemas.microsoft.com/office/drawing/2010/main">
+                <a:solidFill>
+                  <a:srgbClr val="FFFFFF"/>
+                </a:solidFill>
+              </a14:hiddenFill>
+            </a:ext>
+          </a:extLst>
+        </p:spPr>
+      </p:pic>
+    </p:spTree>
+    <p:extLst>
+      <p:ext uri="{BB962C8B-B14F-4D97-AF65-F5344CB8AC3E}">
+        <p14:creationId xmlns:p14="http://schemas.microsoft.com/office/powerpoint/2010/main" val="1858747879"/>
       </p:ext>
     </p:extLst>
   </p:cSld>
